--- a/Slides/PythonArcadeStep6AddCoinsAndSound.pptx
+++ b/Slides/PythonArcadeStep6AddCoinsAndSound.pptx
@@ -245,7 +245,7 @@
           <a:p>
             <a:fld id="{095922B8-2402-4D07-8CC1-A7973D5DEA1D}" type="datetimeFigureOut">
               <a:rPr lang="en-US" smtClean="0"/>
-              <a:t>08-Apr-21</a:t>
+              <a:t>10-Apr-21</a:t>
             </a:fld>
             <a:endParaRPr lang="en-US"/>
           </a:p>
@@ -826,7 +826,7 @@
           <a:p>
             <a:fld id="{E2BFE950-A675-4D2F-BC24-F20C16678C63}" type="datetimeFigureOut">
               <a:rPr lang="en-US" smtClean="0"/>
-              <a:t>08-Apr-21</a:t>
+              <a:t>10-Apr-21</a:t>
             </a:fld>
             <a:endParaRPr lang="en-US"/>
           </a:p>
@@ -1129,7 +1129,7 @@
           <a:p>
             <a:fld id="{E2BFE950-A675-4D2F-BC24-F20C16678C63}" type="datetimeFigureOut">
               <a:rPr lang="en-US" smtClean="0"/>
-              <a:t>08-Apr-21</a:t>
+              <a:t>10-Apr-21</a:t>
             </a:fld>
             <a:endParaRPr lang="en-US"/>
           </a:p>
@@ -1298,7 +1298,7 @@
           <a:p>
             <a:fld id="{E2BFE950-A675-4D2F-BC24-F20C16678C63}" type="datetimeFigureOut">
               <a:rPr lang="en-US" smtClean="0"/>
-              <a:t>08-Apr-21</a:t>
+              <a:t>10-Apr-21</a:t>
             </a:fld>
             <a:endParaRPr lang="en-US"/>
           </a:p>
@@ -1472,7 +1472,7 @@
           <a:p>
             <a:fld id="{E2BFE950-A675-4D2F-BC24-F20C16678C63}" type="datetimeFigureOut">
               <a:rPr lang="en-US" smtClean="0"/>
-              <a:t>08-Apr-21</a:t>
+              <a:t>10-Apr-21</a:t>
             </a:fld>
             <a:endParaRPr lang="en-US"/>
           </a:p>
@@ -1635,7 +1635,7 @@
           <a:p>
             <a:fld id="{E2BFE950-A675-4D2F-BC24-F20C16678C63}" type="datetimeFigureOut">
               <a:rPr lang="en-US" smtClean="0"/>
-              <a:t>08-Apr-21</a:t>
+              <a:t>10-Apr-21</a:t>
             </a:fld>
             <a:endParaRPr lang="en-US"/>
           </a:p>
@@ -1808,7 +1808,7 @@
           <a:p>
             <a:fld id="{E2BFE950-A675-4D2F-BC24-F20C16678C63}" type="datetimeFigureOut">
               <a:rPr lang="en-US" smtClean="0"/>
-              <a:t>08-Apr-21</a:t>
+              <a:t>10-Apr-21</a:t>
             </a:fld>
             <a:endParaRPr lang="en-US"/>
           </a:p>
@@ -2097,7 +2097,7 @@
           <a:p>
             <a:fld id="{E2BFE950-A675-4D2F-BC24-F20C16678C63}" type="datetimeFigureOut">
               <a:rPr lang="en-US" smtClean="0"/>
-              <a:t>08-Apr-21</a:t>
+              <a:t>10-Apr-21</a:t>
             </a:fld>
             <a:endParaRPr lang="en-US"/>
           </a:p>
@@ -2421,7 +2421,7 @@
           <a:p>
             <a:fld id="{E2BFE950-A675-4D2F-BC24-F20C16678C63}" type="datetimeFigureOut">
               <a:rPr lang="en-US" smtClean="0"/>
-              <a:t>08-Apr-21</a:t>
+              <a:t>10-Apr-21</a:t>
             </a:fld>
             <a:endParaRPr lang="en-US"/>
           </a:p>
@@ -2845,7 +2845,7 @@
           <a:p>
             <a:fld id="{E2BFE950-A675-4D2F-BC24-F20C16678C63}" type="datetimeFigureOut">
               <a:rPr lang="en-US" smtClean="0"/>
-              <a:t>08-Apr-21</a:t>
+              <a:t>10-Apr-21</a:t>
             </a:fld>
             <a:endParaRPr lang="en-US"/>
           </a:p>
@@ -3018,7 +3018,7 @@
           <a:p>
             <a:fld id="{E2BFE950-A675-4D2F-BC24-F20C16678C63}" type="datetimeFigureOut">
               <a:rPr lang="en-US" smtClean="0"/>
-              <a:t>08-Apr-21</a:t>
+              <a:t>10-Apr-21</a:t>
             </a:fld>
             <a:endParaRPr lang="en-US"/>
           </a:p>
@@ -3108,7 +3108,7 @@
           <a:p>
             <a:fld id="{E2BFE950-A675-4D2F-BC24-F20C16678C63}" type="datetimeFigureOut">
               <a:rPr lang="en-US" smtClean="0"/>
-              <a:t>08-Apr-21</a:t>
+              <a:t>10-Apr-21</a:t>
             </a:fld>
             <a:endParaRPr lang="en-US"/>
           </a:p>
@@ -3387,7 +3387,7 @@
           <a:p>
             <a:fld id="{E2BFE950-A675-4D2F-BC24-F20C16678C63}" type="datetimeFigureOut">
               <a:rPr lang="en-US" smtClean="0"/>
-              <a:t>08-Apr-21</a:t>
+              <a:t>10-Apr-21</a:t>
             </a:fld>
             <a:endParaRPr lang="en-US"/>
           </a:p>
@@ -3634,7 +3634,7 @@
           <a:p>
             <a:fld id="{E2BFE950-A675-4D2F-BC24-F20C16678C63}" type="datetimeFigureOut">
               <a:rPr lang="en-US" smtClean="0"/>
-              <a:t>08-Apr-21</a:t>
+              <a:t>10-Apr-21</a:t>
             </a:fld>
             <a:endParaRPr lang="en-US"/>
           </a:p>
@@ -4220,9 +4220,10 @@
           <a:lstStyle/>
           <a:p>
             <a:r>
-              <a:rPr lang="en-US" dirty="0"/>
-              <a:t>Instructor: Rob Garner</a:t>
-            </a:r>
+              <a:rPr lang="en-US"/>
+              <a:t>Instructor: Rob Garner (rgarner7@cnm.edu)</a:t>
+            </a:r>
+            <a:endParaRPr lang="en-US" dirty="0"/>
           </a:p>
         </p:txBody>
       </p:sp>
